--- a/docs/PnP Transformation Framework Architecture.pptx
+++ b/docs/PnP Transformation Framework Architecture.pptx
@@ -6,6 +6,7 @@
   </p:sldMasterIdLst>
   <p:sldIdLst>
     <p:sldId id="256" r:id="rId2"/>
+    <p:sldId id="257" r:id="rId3"/>
   </p:sldIdLst>
   <p:sldSz cx="12192000" cy="6858000"/>
   <p:notesSz cx="6858000" cy="9144000"/>
@@ -259,7 +260,7 @@
           <a:p>
             <a:fld id="{C16B9238-F1E6-4943-A31E-64D3E01866AA}" type="datetimeFigureOut">
               <a:rPr lang="en-US" smtClean="0"/>
-              <a:t>6/2/2021</a:t>
+              <a:t>8/4/2021</a:t>
             </a:fld>
             <a:endParaRPr lang="en-US"/>
           </a:p>
@@ -457,7 +458,7 @@
           <a:p>
             <a:fld id="{C16B9238-F1E6-4943-A31E-64D3E01866AA}" type="datetimeFigureOut">
               <a:rPr lang="en-US" smtClean="0"/>
-              <a:t>6/2/2021</a:t>
+              <a:t>8/4/2021</a:t>
             </a:fld>
             <a:endParaRPr lang="en-US"/>
           </a:p>
@@ -665,7 +666,7 @@
           <a:p>
             <a:fld id="{C16B9238-F1E6-4943-A31E-64D3E01866AA}" type="datetimeFigureOut">
               <a:rPr lang="en-US" smtClean="0"/>
-              <a:t>6/2/2021</a:t>
+              <a:t>8/4/2021</a:t>
             </a:fld>
             <a:endParaRPr lang="en-US"/>
           </a:p>
@@ -863,7 +864,7 @@
           <a:p>
             <a:fld id="{C16B9238-F1E6-4943-A31E-64D3E01866AA}" type="datetimeFigureOut">
               <a:rPr lang="en-US" smtClean="0"/>
-              <a:t>6/2/2021</a:t>
+              <a:t>8/4/2021</a:t>
             </a:fld>
             <a:endParaRPr lang="en-US"/>
           </a:p>
@@ -1138,7 +1139,7 @@
           <a:p>
             <a:fld id="{C16B9238-F1E6-4943-A31E-64D3E01866AA}" type="datetimeFigureOut">
               <a:rPr lang="en-US" smtClean="0"/>
-              <a:t>6/2/2021</a:t>
+              <a:t>8/4/2021</a:t>
             </a:fld>
             <a:endParaRPr lang="en-US"/>
           </a:p>
@@ -1403,7 +1404,7 @@
           <a:p>
             <a:fld id="{C16B9238-F1E6-4943-A31E-64D3E01866AA}" type="datetimeFigureOut">
               <a:rPr lang="en-US" smtClean="0"/>
-              <a:t>6/2/2021</a:t>
+              <a:t>8/4/2021</a:t>
             </a:fld>
             <a:endParaRPr lang="en-US"/>
           </a:p>
@@ -1815,7 +1816,7 @@
           <a:p>
             <a:fld id="{C16B9238-F1E6-4943-A31E-64D3E01866AA}" type="datetimeFigureOut">
               <a:rPr lang="en-US" smtClean="0"/>
-              <a:t>6/2/2021</a:t>
+              <a:t>8/4/2021</a:t>
             </a:fld>
             <a:endParaRPr lang="en-US"/>
           </a:p>
@@ -1956,7 +1957,7 @@
           <a:p>
             <a:fld id="{C16B9238-F1E6-4943-A31E-64D3E01866AA}" type="datetimeFigureOut">
               <a:rPr lang="en-US" smtClean="0"/>
-              <a:t>6/2/2021</a:t>
+              <a:t>8/4/2021</a:t>
             </a:fld>
             <a:endParaRPr lang="en-US"/>
           </a:p>
@@ -2069,7 +2070,7 @@
           <a:p>
             <a:fld id="{C16B9238-F1E6-4943-A31E-64D3E01866AA}" type="datetimeFigureOut">
               <a:rPr lang="en-US" smtClean="0"/>
-              <a:t>6/2/2021</a:t>
+              <a:t>8/4/2021</a:t>
             </a:fld>
             <a:endParaRPr lang="en-US"/>
           </a:p>
@@ -2380,7 +2381,7 @@
           <a:p>
             <a:fld id="{C16B9238-F1E6-4943-A31E-64D3E01866AA}" type="datetimeFigureOut">
               <a:rPr lang="en-US" smtClean="0"/>
-              <a:t>6/2/2021</a:t>
+              <a:t>8/4/2021</a:t>
             </a:fld>
             <a:endParaRPr lang="en-US"/>
           </a:p>
@@ -2668,7 +2669,7 @@
           <a:p>
             <a:fld id="{C16B9238-F1E6-4943-A31E-64D3E01866AA}" type="datetimeFigureOut">
               <a:rPr lang="en-US" smtClean="0"/>
-              <a:t>6/2/2021</a:t>
+              <a:t>8/4/2021</a:t>
             </a:fld>
             <a:endParaRPr lang="en-US"/>
           </a:p>
@@ -2909,7 +2910,7 @@
           <a:p>
             <a:fld id="{C16B9238-F1E6-4943-A31E-64D3E01866AA}" type="datetimeFigureOut">
               <a:rPr lang="en-US" smtClean="0"/>
-              <a:t>6/2/2021</a:t>
+              <a:t>8/4/2021</a:t>
             </a:fld>
             <a:endParaRPr lang="en-US"/>
           </a:p>
@@ -3363,6 +3364,1618 @@
       </p:sp>
       <p:sp>
         <p:nvSpPr>
+          <p:cNvPr id="7" name="Rectangle: Rounded Corners 6">
+            <a:extLst>
+              <a:ext uri="{FF2B5EF4-FFF2-40B4-BE49-F238E27FC236}">
+                <a16:creationId xmlns:a16="http://schemas.microsoft.com/office/drawing/2014/main" id="{6C528EFC-E9A0-4F88-839F-65F8B6118D29}"/>
+              </a:ext>
+            </a:extLst>
+          </p:cNvPr>
+          <p:cNvSpPr/>
+          <p:nvPr/>
+        </p:nvSpPr>
+        <p:spPr>
+          <a:xfrm>
+            <a:off x="348620" y="951889"/>
+            <a:ext cx="2017146" cy="1087027"/>
+          </a:xfrm>
+          <a:prstGeom prst="roundRect">
+            <a:avLst/>
+          </a:prstGeom>
+          <a:solidFill>
+            <a:schemeClr val="accent2">
+              <a:lumMod val="75000"/>
+            </a:schemeClr>
+          </a:solidFill>
+          <a:ln>
+            <a:solidFill>
+              <a:schemeClr val="accent2">
+                <a:lumMod val="50000"/>
+              </a:schemeClr>
+            </a:solidFill>
+          </a:ln>
+        </p:spPr>
+        <p:style>
+          <a:lnRef idx="2">
+            <a:schemeClr val="accent1">
+              <a:shade val="50000"/>
+            </a:schemeClr>
+          </a:lnRef>
+          <a:fillRef idx="1">
+            <a:schemeClr val="accent1"/>
+          </a:fillRef>
+          <a:effectRef idx="0">
+            <a:schemeClr val="accent1"/>
+          </a:effectRef>
+          <a:fontRef idx="minor">
+            <a:schemeClr val="lt1"/>
+          </a:fontRef>
+        </p:style>
+        <p:txBody>
+          <a:bodyPr rtlCol="0" anchor="ctr"/>
+          <a:lstStyle/>
+          <a:p>
+            <a:pPr algn="ctr"/>
+            <a:r>
+              <a:rPr lang="en-US" sz="1600" dirty="0"/>
+              <a:t>Data Source (SharePoint Online)</a:t>
+            </a:r>
+          </a:p>
+        </p:txBody>
+      </p:sp>
+      <p:sp>
+        <p:nvSpPr>
+          <p:cNvPr id="37" name="Rectangle: Rounded Corners 36">
+            <a:extLst>
+              <a:ext uri="{FF2B5EF4-FFF2-40B4-BE49-F238E27FC236}">
+                <a16:creationId xmlns:a16="http://schemas.microsoft.com/office/drawing/2014/main" id="{501C3613-CB1F-46C0-84EC-B440F27964A9}"/>
+              </a:ext>
+            </a:extLst>
+          </p:cNvPr>
+          <p:cNvSpPr/>
+          <p:nvPr/>
+        </p:nvSpPr>
+        <p:spPr>
+          <a:xfrm>
+            <a:off x="3976734" y="3055456"/>
+            <a:ext cx="2248967" cy="1232494"/>
+          </a:xfrm>
+          <a:prstGeom prst="roundRect">
+            <a:avLst/>
+          </a:prstGeom>
+          <a:solidFill>
+            <a:schemeClr val="accent6">
+              <a:lumMod val="75000"/>
+            </a:schemeClr>
+          </a:solidFill>
+          <a:ln>
+            <a:solidFill>
+              <a:schemeClr val="accent6">
+                <a:lumMod val="50000"/>
+              </a:schemeClr>
+            </a:solidFill>
+          </a:ln>
+        </p:spPr>
+        <p:style>
+          <a:lnRef idx="2">
+            <a:schemeClr val="accent1">
+              <a:shade val="50000"/>
+            </a:schemeClr>
+          </a:lnRef>
+          <a:fillRef idx="1">
+            <a:schemeClr val="accent1"/>
+          </a:fillRef>
+          <a:effectRef idx="0">
+            <a:schemeClr val="accent1"/>
+          </a:effectRef>
+          <a:fontRef idx="minor">
+            <a:schemeClr val="lt1"/>
+          </a:fontRef>
+        </p:style>
+        <p:txBody>
+          <a:bodyPr rtlCol="0" anchor="ctr"/>
+          <a:lstStyle/>
+          <a:p>
+            <a:pPr algn="ctr"/>
+            <a:r>
+              <a:rPr lang="en-US" sz="1400" dirty="0"/>
+              <a:t>Transformation Engine</a:t>
+            </a:r>
+          </a:p>
+        </p:txBody>
+      </p:sp>
+      <p:cxnSp>
+        <p:nvCxnSpPr>
+          <p:cNvPr id="61" name="Straight Arrow Connector 60">
+            <a:extLst>
+              <a:ext uri="{FF2B5EF4-FFF2-40B4-BE49-F238E27FC236}">
+                <a16:creationId xmlns:a16="http://schemas.microsoft.com/office/drawing/2014/main" id="{148EF6B2-611E-4DC0-B765-37F2D7DF8080}"/>
+              </a:ext>
+            </a:extLst>
+          </p:cNvPr>
+          <p:cNvCxnSpPr>
+            <a:cxnSpLocks/>
+            <a:stCxn id="37" idx="1"/>
+            <a:endCxn id="7" idx="3"/>
+          </p:cNvCxnSpPr>
+          <p:nvPr/>
+        </p:nvCxnSpPr>
+        <p:spPr>
+          <a:xfrm flipH="1" flipV="1">
+            <a:off x="2365766" y="1495403"/>
+            <a:ext cx="1610968" cy="2176300"/>
+          </a:xfrm>
+          <a:prstGeom prst="straightConnector1">
+            <a:avLst/>
+          </a:prstGeom>
+          <a:ln>
+            <a:headEnd type="triangle"/>
+            <a:tailEnd type="none"/>
+          </a:ln>
+        </p:spPr>
+        <p:style>
+          <a:lnRef idx="1">
+            <a:schemeClr val="accent1"/>
+          </a:lnRef>
+          <a:fillRef idx="0">
+            <a:schemeClr val="accent1"/>
+          </a:fillRef>
+          <a:effectRef idx="0">
+            <a:schemeClr val="accent1"/>
+          </a:effectRef>
+          <a:fontRef idx="minor">
+            <a:schemeClr val="tx1"/>
+          </a:fontRef>
+        </p:style>
+      </p:cxnSp>
+      <p:sp>
+        <p:nvSpPr>
+          <p:cNvPr id="46" name="Rectangle: Rounded Corners 45">
+            <a:extLst>
+              <a:ext uri="{FF2B5EF4-FFF2-40B4-BE49-F238E27FC236}">
+                <a16:creationId xmlns:a16="http://schemas.microsoft.com/office/drawing/2014/main" id="{2105A1BE-E8B6-41F3-9C36-271385050A5D}"/>
+              </a:ext>
+            </a:extLst>
+          </p:cNvPr>
+          <p:cNvSpPr/>
+          <p:nvPr/>
+        </p:nvSpPr>
+        <p:spPr>
+          <a:xfrm>
+            <a:off x="348620" y="2444067"/>
+            <a:ext cx="2017146" cy="1087027"/>
+          </a:xfrm>
+          <a:prstGeom prst="roundRect">
+            <a:avLst/>
+          </a:prstGeom>
+          <a:solidFill>
+            <a:schemeClr val="accent2">
+              <a:lumMod val="75000"/>
+            </a:schemeClr>
+          </a:solidFill>
+          <a:ln>
+            <a:solidFill>
+              <a:schemeClr val="accent2">
+                <a:lumMod val="50000"/>
+              </a:schemeClr>
+            </a:solidFill>
+          </a:ln>
+        </p:spPr>
+        <p:style>
+          <a:lnRef idx="2">
+            <a:schemeClr val="accent1">
+              <a:shade val="50000"/>
+            </a:schemeClr>
+          </a:lnRef>
+          <a:fillRef idx="1">
+            <a:schemeClr val="accent1"/>
+          </a:fillRef>
+          <a:effectRef idx="0">
+            <a:schemeClr val="accent1"/>
+          </a:effectRef>
+          <a:fontRef idx="minor">
+            <a:schemeClr val="lt1"/>
+          </a:fontRef>
+        </p:style>
+        <p:txBody>
+          <a:bodyPr rtlCol="0" anchor="ctr"/>
+          <a:lstStyle/>
+          <a:p>
+            <a:pPr algn="ctr"/>
+            <a:r>
+              <a:rPr lang="en-US" sz="1600" dirty="0"/>
+              <a:t>Data Source (SharePoint 2013..2019)</a:t>
+            </a:r>
+          </a:p>
+        </p:txBody>
+      </p:sp>
+      <p:sp>
+        <p:nvSpPr>
+          <p:cNvPr id="47" name="Rectangle: Rounded Corners 46">
+            <a:extLst>
+              <a:ext uri="{FF2B5EF4-FFF2-40B4-BE49-F238E27FC236}">
+                <a16:creationId xmlns:a16="http://schemas.microsoft.com/office/drawing/2014/main" id="{2B8AA4EF-528C-467E-877E-5244C3BEAAE0}"/>
+              </a:ext>
+            </a:extLst>
+          </p:cNvPr>
+          <p:cNvSpPr/>
+          <p:nvPr/>
+        </p:nvSpPr>
+        <p:spPr>
+          <a:xfrm>
+            <a:off x="348620" y="3936245"/>
+            <a:ext cx="2017146" cy="1087027"/>
+          </a:xfrm>
+          <a:prstGeom prst="roundRect">
+            <a:avLst/>
+          </a:prstGeom>
+          <a:solidFill>
+            <a:schemeClr val="accent2">
+              <a:lumMod val="75000"/>
+            </a:schemeClr>
+          </a:solidFill>
+          <a:ln>
+            <a:solidFill>
+              <a:schemeClr val="accent2">
+                <a:lumMod val="50000"/>
+              </a:schemeClr>
+            </a:solidFill>
+          </a:ln>
+        </p:spPr>
+        <p:style>
+          <a:lnRef idx="2">
+            <a:schemeClr val="accent1">
+              <a:shade val="50000"/>
+            </a:schemeClr>
+          </a:lnRef>
+          <a:fillRef idx="1">
+            <a:schemeClr val="accent1"/>
+          </a:fillRef>
+          <a:effectRef idx="0">
+            <a:schemeClr val="accent1"/>
+          </a:effectRef>
+          <a:fontRef idx="minor">
+            <a:schemeClr val="lt1"/>
+          </a:fontRef>
+        </p:style>
+        <p:txBody>
+          <a:bodyPr rtlCol="0" anchor="ctr"/>
+          <a:lstStyle/>
+          <a:p>
+            <a:pPr algn="ctr"/>
+            <a:r>
+              <a:rPr lang="en-US" sz="1600" dirty="0"/>
+              <a:t>Data Source (WordPress)</a:t>
+            </a:r>
+          </a:p>
+        </p:txBody>
+      </p:sp>
+      <p:sp>
+        <p:nvSpPr>
+          <p:cNvPr id="48" name="Rectangle: Rounded Corners 47">
+            <a:extLst>
+              <a:ext uri="{FF2B5EF4-FFF2-40B4-BE49-F238E27FC236}">
+                <a16:creationId xmlns:a16="http://schemas.microsoft.com/office/drawing/2014/main" id="{AACC4B1B-8C2D-409D-A84A-A3953435A9EE}"/>
+              </a:ext>
+            </a:extLst>
+          </p:cNvPr>
+          <p:cNvSpPr/>
+          <p:nvPr/>
+        </p:nvSpPr>
+        <p:spPr>
+          <a:xfrm>
+            <a:off x="348620" y="5428423"/>
+            <a:ext cx="2017146" cy="1087027"/>
+          </a:xfrm>
+          <a:prstGeom prst="roundRect">
+            <a:avLst/>
+          </a:prstGeom>
+          <a:solidFill>
+            <a:schemeClr val="accent2">
+              <a:lumMod val="75000"/>
+            </a:schemeClr>
+          </a:solidFill>
+          <a:ln>
+            <a:solidFill>
+              <a:schemeClr val="accent2">
+                <a:lumMod val="50000"/>
+              </a:schemeClr>
+            </a:solidFill>
+          </a:ln>
+        </p:spPr>
+        <p:style>
+          <a:lnRef idx="2">
+            <a:schemeClr val="accent1">
+              <a:shade val="50000"/>
+            </a:schemeClr>
+          </a:lnRef>
+          <a:fillRef idx="1">
+            <a:schemeClr val="accent1"/>
+          </a:fillRef>
+          <a:effectRef idx="0">
+            <a:schemeClr val="accent1"/>
+          </a:effectRef>
+          <a:fontRef idx="minor">
+            <a:schemeClr val="lt1"/>
+          </a:fontRef>
+        </p:style>
+        <p:txBody>
+          <a:bodyPr rtlCol="0" anchor="ctr"/>
+          <a:lstStyle/>
+          <a:p>
+            <a:pPr algn="ctr"/>
+            <a:r>
+              <a:rPr lang="en-US" sz="1600" dirty="0"/>
+              <a:t>Data Source</a:t>
+            </a:r>
+            <a:br>
+              <a:rPr lang="en-US" sz="1600" dirty="0"/>
+            </a:br>
+            <a:r>
+              <a:rPr lang="en-US" sz="1600" dirty="0"/>
+              <a:t>(XYZ)</a:t>
+            </a:r>
+          </a:p>
+        </p:txBody>
+      </p:sp>
+      <p:cxnSp>
+        <p:nvCxnSpPr>
+          <p:cNvPr id="50" name="Straight Arrow Connector 49">
+            <a:extLst>
+              <a:ext uri="{FF2B5EF4-FFF2-40B4-BE49-F238E27FC236}">
+                <a16:creationId xmlns:a16="http://schemas.microsoft.com/office/drawing/2014/main" id="{09BC6420-7D0D-4E33-AF7B-E71B875D54F2}"/>
+              </a:ext>
+            </a:extLst>
+          </p:cNvPr>
+          <p:cNvCxnSpPr>
+            <a:cxnSpLocks/>
+            <a:stCxn id="37" idx="1"/>
+            <a:endCxn id="46" idx="3"/>
+          </p:cNvCxnSpPr>
+          <p:nvPr/>
+        </p:nvCxnSpPr>
+        <p:spPr>
+          <a:xfrm flipH="1" flipV="1">
+            <a:off x="2365766" y="2987581"/>
+            <a:ext cx="1610968" cy="684122"/>
+          </a:xfrm>
+          <a:prstGeom prst="straightConnector1">
+            <a:avLst/>
+          </a:prstGeom>
+          <a:ln>
+            <a:headEnd type="triangle"/>
+            <a:tailEnd type="none"/>
+          </a:ln>
+        </p:spPr>
+        <p:style>
+          <a:lnRef idx="1">
+            <a:schemeClr val="accent1"/>
+          </a:lnRef>
+          <a:fillRef idx="0">
+            <a:schemeClr val="accent1"/>
+          </a:fillRef>
+          <a:effectRef idx="0">
+            <a:schemeClr val="accent1"/>
+          </a:effectRef>
+          <a:fontRef idx="minor">
+            <a:schemeClr val="tx1"/>
+          </a:fontRef>
+        </p:style>
+      </p:cxnSp>
+      <p:cxnSp>
+        <p:nvCxnSpPr>
+          <p:cNvPr id="57" name="Straight Arrow Connector 56">
+            <a:extLst>
+              <a:ext uri="{FF2B5EF4-FFF2-40B4-BE49-F238E27FC236}">
+                <a16:creationId xmlns:a16="http://schemas.microsoft.com/office/drawing/2014/main" id="{2FBA7D28-53B9-42C7-958E-104F9A179E10}"/>
+              </a:ext>
+            </a:extLst>
+          </p:cNvPr>
+          <p:cNvCxnSpPr>
+            <a:cxnSpLocks/>
+            <a:stCxn id="37" idx="1"/>
+            <a:endCxn id="47" idx="3"/>
+          </p:cNvCxnSpPr>
+          <p:nvPr/>
+        </p:nvCxnSpPr>
+        <p:spPr>
+          <a:xfrm flipH="1">
+            <a:off x="2365766" y="3671703"/>
+            <a:ext cx="1610968" cy="808056"/>
+          </a:xfrm>
+          <a:prstGeom prst="straightConnector1">
+            <a:avLst/>
+          </a:prstGeom>
+          <a:ln>
+            <a:headEnd type="triangle"/>
+            <a:tailEnd type="none"/>
+          </a:ln>
+        </p:spPr>
+        <p:style>
+          <a:lnRef idx="1">
+            <a:schemeClr val="accent1"/>
+          </a:lnRef>
+          <a:fillRef idx="0">
+            <a:schemeClr val="accent1"/>
+          </a:fillRef>
+          <a:effectRef idx="0">
+            <a:schemeClr val="accent1"/>
+          </a:effectRef>
+          <a:fontRef idx="minor">
+            <a:schemeClr val="tx1"/>
+          </a:fontRef>
+        </p:style>
+      </p:cxnSp>
+      <p:cxnSp>
+        <p:nvCxnSpPr>
+          <p:cNvPr id="59" name="Straight Arrow Connector 58">
+            <a:extLst>
+              <a:ext uri="{FF2B5EF4-FFF2-40B4-BE49-F238E27FC236}">
+                <a16:creationId xmlns:a16="http://schemas.microsoft.com/office/drawing/2014/main" id="{F74B7B88-43FC-4874-B418-4DD5B4BE3EC0}"/>
+              </a:ext>
+            </a:extLst>
+          </p:cNvPr>
+          <p:cNvCxnSpPr>
+            <a:cxnSpLocks/>
+            <a:stCxn id="37" idx="1"/>
+            <a:endCxn id="48" idx="3"/>
+          </p:cNvCxnSpPr>
+          <p:nvPr/>
+        </p:nvCxnSpPr>
+        <p:spPr>
+          <a:xfrm flipH="1">
+            <a:off x="2365766" y="3671703"/>
+            <a:ext cx="1610968" cy="2300234"/>
+          </a:xfrm>
+          <a:prstGeom prst="straightConnector1">
+            <a:avLst/>
+          </a:prstGeom>
+          <a:ln>
+            <a:headEnd type="triangle"/>
+            <a:tailEnd type="none"/>
+          </a:ln>
+        </p:spPr>
+        <p:style>
+          <a:lnRef idx="1">
+            <a:schemeClr val="accent1"/>
+          </a:lnRef>
+          <a:fillRef idx="0">
+            <a:schemeClr val="accent1"/>
+          </a:fillRef>
+          <a:effectRef idx="0">
+            <a:schemeClr val="accent1"/>
+          </a:effectRef>
+          <a:fontRef idx="minor">
+            <a:schemeClr val="tx1"/>
+          </a:fontRef>
+        </p:style>
+      </p:cxnSp>
+      <p:sp>
+        <p:nvSpPr>
+          <p:cNvPr id="63" name="Rectangle: Rounded Corners 62">
+            <a:extLst>
+              <a:ext uri="{FF2B5EF4-FFF2-40B4-BE49-F238E27FC236}">
+                <a16:creationId xmlns:a16="http://schemas.microsoft.com/office/drawing/2014/main" id="{C50B775E-C78A-4FBE-907D-93586204748A}"/>
+              </a:ext>
+            </a:extLst>
+          </p:cNvPr>
+          <p:cNvSpPr/>
+          <p:nvPr/>
+        </p:nvSpPr>
+        <p:spPr>
+          <a:xfrm>
+            <a:off x="7364856" y="3055456"/>
+            <a:ext cx="2203270" cy="1232494"/>
+          </a:xfrm>
+          <a:prstGeom prst="roundRect">
+            <a:avLst/>
+          </a:prstGeom>
+          <a:solidFill>
+            <a:srgbClr val="038387"/>
+          </a:solidFill>
+          <a:ln>
+            <a:solidFill>
+              <a:srgbClr val="002060"/>
+            </a:solidFill>
+          </a:ln>
+        </p:spPr>
+        <p:style>
+          <a:lnRef idx="2">
+            <a:schemeClr val="accent1">
+              <a:shade val="50000"/>
+            </a:schemeClr>
+          </a:lnRef>
+          <a:fillRef idx="1">
+            <a:schemeClr val="accent1"/>
+          </a:fillRef>
+          <a:effectRef idx="0">
+            <a:schemeClr val="accent1"/>
+          </a:effectRef>
+          <a:fontRef idx="minor">
+            <a:schemeClr val="lt1"/>
+          </a:fontRef>
+        </p:style>
+        <p:txBody>
+          <a:bodyPr rtlCol="0" anchor="ctr"/>
+          <a:lstStyle/>
+          <a:p>
+            <a:pPr algn="ctr"/>
+            <a:r>
+              <a:rPr lang="en-US" sz="1600" dirty="0"/>
+              <a:t>SharePoint Online “modern” Site</a:t>
+            </a:r>
+          </a:p>
+        </p:txBody>
+      </p:sp>
+      <p:cxnSp>
+        <p:nvCxnSpPr>
+          <p:cNvPr id="67" name="Straight Arrow Connector 66">
+            <a:extLst>
+              <a:ext uri="{FF2B5EF4-FFF2-40B4-BE49-F238E27FC236}">
+                <a16:creationId xmlns:a16="http://schemas.microsoft.com/office/drawing/2014/main" id="{4902DB27-D844-49C3-B2F8-18B7E7619C16}"/>
+              </a:ext>
+            </a:extLst>
+          </p:cNvPr>
+          <p:cNvCxnSpPr>
+            <a:cxnSpLocks/>
+            <a:stCxn id="63" idx="1"/>
+            <a:endCxn id="37" idx="3"/>
+          </p:cNvCxnSpPr>
+          <p:nvPr/>
+        </p:nvCxnSpPr>
+        <p:spPr>
+          <a:xfrm flipH="1">
+            <a:off x="6225701" y="3671703"/>
+            <a:ext cx="1139155" cy="0"/>
+          </a:xfrm>
+          <a:prstGeom prst="straightConnector1">
+            <a:avLst/>
+          </a:prstGeom>
+          <a:ln>
+            <a:headEnd type="triangle"/>
+            <a:tailEnd type="none"/>
+          </a:ln>
+        </p:spPr>
+        <p:style>
+          <a:lnRef idx="1">
+            <a:schemeClr val="accent1"/>
+          </a:lnRef>
+          <a:fillRef idx="0">
+            <a:schemeClr val="accent1"/>
+          </a:fillRef>
+          <a:effectRef idx="0">
+            <a:schemeClr val="accent1"/>
+          </a:effectRef>
+          <a:fontRef idx="minor">
+            <a:schemeClr val="tx1"/>
+          </a:fontRef>
+        </p:style>
+      </p:cxnSp>
+      <p:sp>
+        <p:nvSpPr>
+          <p:cNvPr id="68" name="Rectangle: Rounded Corners 67">
+            <a:extLst>
+              <a:ext uri="{FF2B5EF4-FFF2-40B4-BE49-F238E27FC236}">
+                <a16:creationId xmlns:a16="http://schemas.microsoft.com/office/drawing/2014/main" id="{B39F2A95-32C3-47DE-8BC4-A74994705247}"/>
+              </a:ext>
+            </a:extLst>
+          </p:cNvPr>
+          <p:cNvSpPr/>
+          <p:nvPr/>
+        </p:nvSpPr>
+        <p:spPr>
+          <a:xfrm>
+            <a:off x="3699172" y="1074905"/>
+            <a:ext cx="2248967" cy="1232494"/>
+          </a:xfrm>
+          <a:prstGeom prst="roundRect">
+            <a:avLst/>
+          </a:prstGeom>
+          <a:solidFill>
+            <a:schemeClr val="accent4">
+              <a:lumMod val="60000"/>
+              <a:lumOff val="40000"/>
+            </a:schemeClr>
+          </a:solidFill>
+          <a:ln>
+            <a:solidFill>
+              <a:schemeClr val="accent4">
+                <a:lumMod val="75000"/>
+              </a:schemeClr>
+            </a:solidFill>
+          </a:ln>
+        </p:spPr>
+        <p:style>
+          <a:lnRef idx="2">
+            <a:schemeClr val="accent1">
+              <a:shade val="50000"/>
+            </a:schemeClr>
+          </a:lnRef>
+          <a:fillRef idx="1">
+            <a:schemeClr val="accent1"/>
+          </a:fillRef>
+          <a:effectRef idx="0">
+            <a:schemeClr val="accent1"/>
+          </a:effectRef>
+          <a:fontRef idx="minor">
+            <a:schemeClr val="lt1"/>
+          </a:fontRef>
+        </p:style>
+        <p:txBody>
+          <a:bodyPr rtlCol="0" anchor="ctr"/>
+          <a:lstStyle/>
+          <a:p>
+            <a:pPr algn="ctr"/>
+            <a:r>
+              <a:rPr lang="en-US" sz="1400" dirty="0">
+                <a:solidFill>
+                  <a:schemeClr val="tx1"/>
+                </a:solidFill>
+              </a:rPr>
+              <a:t>Pluggable Mappers</a:t>
+            </a:r>
+          </a:p>
+        </p:txBody>
+      </p:sp>
+      <p:sp>
+        <p:nvSpPr>
+          <p:cNvPr id="69" name="Rectangle: Rounded Corners 68">
+            <a:extLst>
+              <a:ext uri="{FF2B5EF4-FFF2-40B4-BE49-F238E27FC236}">
+                <a16:creationId xmlns:a16="http://schemas.microsoft.com/office/drawing/2014/main" id="{FF5535A3-E821-4B7E-9E14-8C5B207F920C}"/>
+              </a:ext>
+            </a:extLst>
+          </p:cNvPr>
+          <p:cNvSpPr/>
+          <p:nvPr/>
+        </p:nvSpPr>
+        <p:spPr>
+          <a:xfrm>
+            <a:off x="3824334" y="1193364"/>
+            <a:ext cx="2248967" cy="1232494"/>
+          </a:xfrm>
+          <a:prstGeom prst="roundRect">
+            <a:avLst/>
+          </a:prstGeom>
+          <a:solidFill>
+            <a:schemeClr val="accent4">
+              <a:lumMod val="60000"/>
+              <a:lumOff val="40000"/>
+            </a:schemeClr>
+          </a:solidFill>
+          <a:ln>
+            <a:solidFill>
+              <a:schemeClr val="accent4">
+                <a:lumMod val="75000"/>
+              </a:schemeClr>
+            </a:solidFill>
+          </a:ln>
+        </p:spPr>
+        <p:style>
+          <a:lnRef idx="2">
+            <a:schemeClr val="accent1">
+              <a:shade val="50000"/>
+            </a:schemeClr>
+          </a:lnRef>
+          <a:fillRef idx="1">
+            <a:schemeClr val="accent1"/>
+          </a:fillRef>
+          <a:effectRef idx="0">
+            <a:schemeClr val="accent1"/>
+          </a:effectRef>
+          <a:fontRef idx="minor">
+            <a:schemeClr val="lt1"/>
+          </a:fontRef>
+        </p:style>
+        <p:txBody>
+          <a:bodyPr rtlCol="0" anchor="ctr"/>
+          <a:lstStyle/>
+          <a:p>
+            <a:pPr algn="ctr"/>
+            <a:r>
+              <a:rPr lang="en-US" sz="1400" dirty="0">
+                <a:solidFill>
+                  <a:schemeClr val="tx1"/>
+                </a:solidFill>
+              </a:rPr>
+              <a:t>Pluggable Mappers</a:t>
+            </a:r>
+          </a:p>
+        </p:txBody>
+      </p:sp>
+      <p:sp>
+        <p:nvSpPr>
+          <p:cNvPr id="70" name="Rectangle: Rounded Corners 69">
+            <a:extLst>
+              <a:ext uri="{FF2B5EF4-FFF2-40B4-BE49-F238E27FC236}">
+                <a16:creationId xmlns:a16="http://schemas.microsoft.com/office/drawing/2014/main" id="{3FA9D60E-0012-4789-96D5-2A28DECFAA2B}"/>
+              </a:ext>
+            </a:extLst>
+          </p:cNvPr>
+          <p:cNvSpPr/>
+          <p:nvPr/>
+        </p:nvSpPr>
+        <p:spPr>
+          <a:xfrm>
+            <a:off x="3976734" y="1345764"/>
+            <a:ext cx="2248967" cy="1232494"/>
+          </a:xfrm>
+          <a:prstGeom prst="roundRect">
+            <a:avLst/>
+          </a:prstGeom>
+          <a:solidFill>
+            <a:schemeClr val="accent4">
+              <a:lumMod val="60000"/>
+              <a:lumOff val="40000"/>
+            </a:schemeClr>
+          </a:solidFill>
+          <a:ln>
+            <a:solidFill>
+              <a:schemeClr val="accent4">
+                <a:lumMod val="75000"/>
+              </a:schemeClr>
+            </a:solidFill>
+          </a:ln>
+        </p:spPr>
+        <p:style>
+          <a:lnRef idx="2">
+            <a:schemeClr val="accent1">
+              <a:shade val="50000"/>
+            </a:schemeClr>
+          </a:lnRef>
+          <a:fillRef idx="1">
+            <a:schemeClr val="accent1"/>
+          </a:fillRef>
+          <a:effectRef idx="0">
+            <a:schemeClr val="accent1"/>
+          </a:effectRef>
+          <a:fontRef idx="minor">
+            <a:schemeClr val="lt1"/>
+          </a:fontRef>
+        </p:style>
+        <p:txBody>
+          <a:bodyPr rtlCol="0" anchor="ctr"/>
+          <a:lstStyle/>
+          <a:p>
+            <a:pPr algn="ctr"/>
+            <a:r>
+              <a:rPr lang="en-US" sz="1400" dirty="0">
+                <a:solidFill>
+                  <a:schemeClr val="tx1"/>
+                </a:solidFill>
+              </a:rPr>
+              <a:t>Pluggable Mappers</a:t>
+            </a:r>
+          </a:p>
+        </p:txBody>
+      </p:sp>
+      <p:cxnSp>
+        <p:nvCxnSpPr>
+          <p:cNvPr id="71" name="Straight Arrow Connector 70">
+            <a:extLst>
+              <a:ext uri="{FF2B5EF4-FFF2-40B4-BE49-F238E27FC236}">
+                <a16:creationId xmlns:a16="http://schemas.microsoft.com/office/drawing/2014/main" id="{910B959A-3B55-4111-BE95-FF7590769B51}"/>
+              </a:ext>
+            </a:extLst>
+          </p:cNvPr>
+          <p:cNvCxnSpPr>
+            <a:cxnSpLocks/>
+            <a:stCxn id="37" idx="0"/>
+            <a:endCxn id="70" idx="2"/>
+          </p:cNvCxnSpPr>
+          <p:nvPr/>
+        </p:nvCxnSpPr>
+        <p:spPr>
+          <a:xfrm flipV="1">
+            <a:off x="5101218" y="2578258"/>
+            <a:ext cx="0" cy="477198"/>
+          </a:xfrm>
+          <a:prstGeom prst="straightConnector1">
+            <a:avLst/>
+          </a:prstGeom>
+          <a:ln>
+            <a:headEnd type="triangle"/>
+            <a:tailEnd type="none"/>
+          </a:ln>
+        </p:spPr>
+        <p:style>
+          <a:lnRef idx="1">
+            <a:schemeClr val="accent1"/>
+          </a:lnRef>
+          <a:fillRef idx="0">
+            <a:schemeClr val="accent1"/>
+          </a:fillRef>
+          <a:effectRef idx="0">
+            <a:schemeClr val="accent1"/>
+          </a:effectRef>
+          <a:fontRef idx="minor">
+            <a:schemeClr val="tx1"/>
+          </a:fontRef>
+        </p:style>
+      </p:cxnSp>
+    </p:spTree>
+    <p:extLst>
+      <p:ext uri="{BB962C8B-B14F-4D97-AF65-F5344CB8AC3E}">
+        <p14:creationId xmlns:p14="http://schemas.microsoft.com/office/powerpoint/2010/main" val="3370404865"/>
+      </p:ext>
+    </p:extLst>
+  </p:cSld>
+  <p:clrMapOvr>
+    <a:masterClrMapping/>
+  </p:clrMapOvr>
+  <p:timing>
+    <p:tnLst>
+      <p:par>
+        <p:cTn id="1" dur="indefinite" restart="never" nodeType="tmRoot">
+          <p:childTnLst>
+            <p:seq concurrent="1" nextAc="seek">
+              <p:cTn id="2" dur="indefinite" nodeType="mainSeq">
+                <p:childTnLst>
+                  <p:par>
+                    <p:cTn id="3" fill="hold">
+                      <p:stCondLst>
+                        <p:cond delay="indefinite"/>
+                      </p:stCondLst>
+                      <p:childTnLst>
+                        <p:par>
+                          <p:cTn id="4" fill="hold">
+                            <p:stCondLst>
+                              <p:cond delay="0"/>
+                            </p:stCondLst>
+                            <p:childTnLst>
+                              <p:par>
+                                <p:cTn id="5" presetID="1" presetClass="entr" presetSubtype="0" fill="hold" grpId="0" nodeType="clickEffect">
+                                  <p:stCondLst>
+                                    <p:cond delay="0"/>
+                                  </p:stCondLst>
+                                  <p:childTnLst>
+                                    <p:set>
+                                      <p:cBhvr>
+                                        <p:cTn id="6" dur="1" fill="hold">
+                                          <p:stCondLst>
+                                            <p:cond delay="0"/>
+                                          </p:stCondLst>
+                                        </p:cTn>
+                                        <p:tgtEl>
+                                          <p:spTgt spid="37"/>
+                                        </p:tgtEl>
+                                        <p:attrNameLst>
+                                          <p:attrName>style.visibility</p:attrName>
+                                        </p:attrNameLst>
+                                      </p:cBhvr>
+                                      <p:to>
+                                        <p:strVal val="visible"/>
+                                      </p:to>
+                                    </p:set>
+                                  </p:childTnLst>
+                                </p:cTn>
+                              </p:par>
+                            </p:childTnLst>
+                          </p:cTn>
+                        </p:par>
+                      </p:childTnLst>
+                    </p:cTn>
+                  </p:par>
+                  <p:par>
+                    <p:cTn id="7" fill="hold">
+                      <p:stCondLst>
+                        <p:cond delay="indefinite"/>
+                      </p:stCondLst>
+                      <p:childTnLst>
+                        <p:par>
+                          <p:cTn id="8" fill="hold">
+                            <p:stCondLst>
+                              <p:cond delay="0"/>
+                            </p:stCondLst>
+                            <p:childTnLst>
+                              <p:par>
+                                <p:cTn id="9" presetID="1" presetClass="entr" presetSubtype="0" fill="hold" grpId="0" nodeType="clickEffect">
+                                  <p:stCondLst>
+                                    <p:cond delay="0"/>
+                                  </p:stCondLst>
+                                  <p:childTnLst>
+                                    <p:set>
+                                      <p:cBhvr>
+                                        <p:cTn id="10" dur="1" fill="hold">
+                                          <p:stCondLst>
+                                            <p:cond delay="0"/>
+                                          </p:stCondLst>
+                                        </p:cTn>
+                                        <p:tgtEl>
+                                          <p:spTgt spid="7"/>
+                                        </p:tgtEl>
+                                        <p:attrNameLst>
+                                          <p:attrName>style.visibility</p:attrName>
+                                        </p:attrNameLst>
+                                      </p:cBhvr>
+                                      <p:to>
+                                        <p:strVal val="visible"/>
+                                      </p:to>
+                                    </p:set>
+                                  </p:childTnLst>
+                                </p:cTn>
+                              </p:par>
+                            </p:childTnLst>
+                          </p:cTn>
+                        </p:par>
+                      </p:childTnLst>
+                    </p:cTn>
+                  </p:par>
+                  <p:par>
+                    <p:cTn id="11" fill="hold">
+                      <p:stCondLst>
+                        <p:cond delay="indefinite"/>
+                      </p:stCondLst>
+                      <p:childTnLst>
+                        <p:par>
+                          <p:cTn id="12" fill="hold">
+                            <p:stCondLst>
+                              <p:cond delay="0"/>
+                            </p:stCondLst>
+                            <p:childTnLst>
+                              <p:par>
+                                <p:cTn id="13" presetID="1" presetClass="entr" presetSubtype="0" fill="hold" nodeType="clickEffect">
+                                  <p:stCondLst>
+                                    <p:cond delay="0"/>
+                                  </p:stCondLst>
+                                  <p:childTnLst>
+                                    <p:set>
+                                      <p:cBhvr>
+                                        <p:cTn id="14" dur="1" fill="hold">
+                                          <p:stCondLst>
+                                            <p:cond delay="0"/>
+                                          </p:stCondLst>
+                                        </p:cTn>
+                                        <p:tgtEl>
+                                          <p:spTgt spid="61"/>
+                                        </p:tgtEl>
+                                        <p:attrNameLst>
+                                          <p:attrName>style.visibility</p:attrName>
+                                        </p:attrNameLst>
+                                      </p:cBhvr>
+                                      <p:to>
+                                        <p:strVal val="visible"/>
+                                      </p:to>
+                                    </p:set>
+                                  </p:childTnLst>
+                                </p:cTn>
+                              </p:par>
+                            </p:childTnLst>
+                          </p:cTn>
+                        </p:par>
+                      </p:childTnLst>
+                    </p:cTn>
+                  </p:par>
+                  <p:par>
+                    <p:cTn id="15" fill="hold">
+                      <p:stCondLst>
+                        <p:cond delay="indefinite"/>
+                      </p:stCondLst>
+                      <p:childTnLst>
+                        <p:par>
+                          <p:cTn id="16" fill="hold">
+                            <p:stCondLst>
+                              <p:cond delay="0"/>
+                            </p:stCondLst>
+                            <p:childTnLst>
+                              <p:par>
+                                <p:cTn id="17" presetID="1" presetClass="entr" presetSubtype="0" fill="hold" grpId="0" nodeType="clickEffect">
+                                  <p:stCondLst>
+                                    <p:cond delay="0"/>
+                                  </p:stCondLst>
+                                  <p:childTnLst>
+                                    <p:set>
+                                      <p:cBhvr>
+                                        <p:cTn id="18" dur="1" fill="hold">
+                                          <p:stCondLst>
+                                            <p:cond delay="0"/>
+                                          </p:stCondLst>
+                                        </p:cTn>
+                                        <p:tgtEl>
+                                          <p:spTgt spid="46"/>
+                                        </p:tgtEl>
+                                        <p:attrNameLst>
+                                          <p:attrName>style.visibility</p:attrName>
+                                        </p:attrNameLst>
+                                      </p:cBhvr>
+                                      <p:to>
+                                        <p:strVal val="visible"/>
+                                      </p:to>
+                                    </p:set>
+                                  </p:childTnLst>
+                                </p:cTn>
+                              </p:par>
+                            </p:childTnLst>
+                          </p:cTn>
+                        </p:par>
+                      </p:childTnLst>
+                    </p:cTn>
+                  </p:par>
+                  <p:par>
+                    <p:cTn id="19" fill="hold">
+                      <p:stCondLst>
+                        <p:cond delay="indefinite"/>
+                      </p:stCondLst>
+                      <p:childTnLst>
+                        <p:par>
+                          <p:cTn id="20" fill="hold">
+                            <p:stCondLst>
+                              <p:cond delay="0"/>
+                            </p:stCondLst>
+                            <p:childTnLst>
+                              <p:par>
+                                <p:cTn id="21" presetID="1" presetClass="entr" presetSubtype="0" fill="hold" grpId="0" nodeType="clickEffect">
+                                  <p:stCondLst>
+                                    <p:cond delay="0"/>
+                                  </p:stCondLst>
+                                  <p:childTnLst>
+                                    <p:set>
+                                      <p:cBhvr>
+                                        <p:cTn id="22" dur="1" fill="hold">
+                                          <p:stCondLst>
+                                            <p:cond delay="0"/>
+                                          </p:stCondLst>
+                                        </p:cTn>
+                                        <p:tgtEl>
+                                          <p:spTgt spid="47"/>
+                                        </p:tgtEl>
+                                        <p:attrNameLst>
+                                          <p:attrName>style.visibility</p:attrName>
+                                        </p:attrNameLst>
+                                      </p:cBhvr>
+                                      <p:to>
+                                        <p:strVal val="visible"/>
+                                      </p:to>
+                                    </p:set>
+                                  </p:childTnLst>
+                                </p:cTn>
+                              </p:par>
+                            </p:childTnLst>
+                          </p:cTn>
+                        </p:par>
+                      </p:childTnLst>
+                    </p:cTn>
+                  </p:par>
+                  <p:par>
+                    <p:cTn id="23" fill="hold">
+                      <p:stCondLst>
+                        <p:cond delay="indefinite"/>
+                      </p:stCondLst>
+                      <p:childTnLst>
+                        <p:par>
+                          <p:cTn id="24" fill="hold">
+                            <p:stCondLst>
+                              <p:cond delay="0"/>
+                            </p:stCondLst>
+                            <p:childTnLst>
+                              <p:par>
+                                <p:cTn id="25" presetID="1" presetClass="entr" presetSubtype="0" fill="hold" grpId="0" nodeType="clickEffect">
+                                  <p:stCondLst>
+                                    <p:cond delay="0"/>
+                                  </p:stCondLst>
+                                  <p:childTnLst>
+                                    <p:set>
+                                      <p:cBhvr>
+                                        <p:cTn id="26" dur="1" fill="hold">
+                                          <p:stCondLst>
+                                            <p:cond delay="0"/>
+                                          </p:stCondLst>
+                                        </p:cTn>
+                                        <p:tgtEl>
+                                          <p:spTgt spid="48"/>
+                                        </p:tgtEl>
+                                        <p:attrNameLst>
+                                          <p:attrName>style.visibility</p:attrName>
+                                        </p:attrNameLst>
+                                      </p:cBhvr>
+                                      <p:to>
+                                        <p:strVal val="visible"/>
+                                      </p:to>
+                                    </p:set>
+                                  </p:childTnLst>
+                                </p:cTn>
+                              </p:par>
+                            </p:childTnLst>
+                          </p:cTn>
+                        </p:par>
+                      </p:childTnLst>
+                    </p:cTn>
+                  </p:par>
+                  <p:par>
+                    <p:cTn id="27" fill="hold">
+                      <p:stCondLst>
+                        <p:cond delay="indefinite"/>
+                      </p:stCondLst>
+                      <p:childTnLst>
+                        <p:par>
+                          <p:cTn id="28" fill="hold">
+                            <p:stCondLst>
+                              <p:cond delay="0"/>
+                            </p:stCondLst>
+                            <p:childTnLst>
+                              <p:par>
+                                <p:cTn id="29" presetID="1" presetClass="entr" presetSubtype="0" fill="hold" nodeType="clickEffect">
+                                  <p:stCondLst>
+                                    <p:cond delay="0"/>
+                                  </p:stCondLst>
+                                  <p:childTnLst>
+                                    <p:set>
+                                      <p:cBhvr>
+                                        <p:cTn id="30" dur="1" fill="hold">
+                                          <p:stCondLst>
+                                            <p:cond delay="0"/>
+                                          </p:stCondLst>
+                                        </p:cTn>
+                                        <p:tgtEl>
+                                          <p:spTgt spid="50"/>
+                                        </p:tgtEl>
+                                        <p:attrNameLst>
+                                          <p:attrName>style.visibility</p:attrName>
+                                        </p:attrNameLst>
+                                      </p:cBhvr>
+                                      <p:to>
+                                        <p:strVal val="visible"/>
+                                      </p:to>
+                                    </p:set>
+                                  </p:childTnLst>
+                                </p:cTn>
+                              </p:par>
+                            </p:childTnLst>
+                          </p:cTn>
+                        </p:par>
+                      </p:childTnLst>
+                    </p:cTn>
+                  </p:par>
+                  <p:par>
+                    <p:cTn id="31" fill="hold">
+                      <p:stCondLst>
+                        <p:cond delay="indefinite"/>
+                      </p:stCondLst>
+                      <p:childTnLst>
+                        <p:par>
+                          <p:cTn id="32" fill="hold">
+                            <p:stCondLst>
+                              <p:cond delay="0"/>
+                            </p:stCondLst>
+                            <p:childTnLst>
+                              <p:par>
+                                <p:cTn id="33" presetID="1" presetClass="entr" presetSubtype="0" fill="hold" nodeType="clickEffect">
+                                  <p:stCondLst>
+                                    <p:cond delay="0"/>
+                                  </p:stCondLst>
+                                  <p:childTnLst>
+                                    <p:set>
+                                      <p:cBhvr>
+                                        <p:cTn id="34" dur="1" fill="hold">
+                                          <p:stCondLst>
+                                            <p:cond delay="0"/>
+                                          </p:stCondLst>
+                                        </p:cTn>
+                                        <p:tgtEl>
+                                          <p:spTgt spid="57"/>
+                                        </p:tgtEl>
+                                        <p:attrNameLst>
+                                          <p:attrName>style.visibility</p:attrName>
+                                        </p:attrNameLst>
+                                      </p:cBhvr>
+                                      <p:to>
+                                        <p:strVal val="visible"/>
+                                      </p:to>
+                                    </p:set>
+                                  </p:childTnLst>
+                                </p:cTn>
+                              </p:par>
+                            </p:childTnLst>
+                          </p:cTn>
+                        </p:par>
+                      </p:childTnLst>
+                    </p:cTn>
+                  </p:par>
+                  <p:par>
+                    <p:cTn id="35" fill="hold">
+                      <p:stCondLst>
+                        <p:cond delay="indefinite"/>
+                      </p:stCondLst>
+                      <p:childTnLst>
+                        <p:par>
+                          <p:cTn id="36" fill="hold">
+                            <p:stCondLst>
+                              <p:cond delay="0"/>
+                            </p:stCondLst>
+                            <p:childTnLst>
+                              <p:par>
+                                <p:cTn id="37" presetID="1" presetClass="entr" presetSubtype="0" fill="hold" nodeType="clickEffect">
+                                  <p:stCondLst>
+                                    <p:cond delay="0"/>
+                                  </p:stCondLst>
+                                  <p:childTnLst>
+                                    <p:set>
+                                      <p:cBhvr>
+                                        <p:cTn id="38" dur="1" fill="hold">
+                                          <p:stCondLst>
+                                            <p:cond delay="0"/>
+                                          </p:stCondLst>
+                                        </p:cTn>
+                                        <p:tgtEl>
+                                          <p:spTgt spid="59"/>
+                                        </p:tgtEl>
+                                        <p:attrNameLst>
+                                          <p:attrName>style.visibility</p:attrName>
+                                        </p:attrNameLst>
+                                      </p:cBhvr>
+                                      <p:to>
+                                        <p:strVal val="visible"/>
+                                      </p:to>
+                                    </p:set>
+                                  </p:childTnLst>
+                                </p:cTn>
+                              </p:par>
+                            </p:childTnLst>
+                          </p:cTn>
+                        </p:par>
+                      </p:childTnLst>
+                    </p:cTn>
+                  </p:par>
+                  <p:par>
+                    <p:cTn id="39" fill="hold">
+                      <p:stCondLst>
+                        <p:cond delay="indefinite"/>
+                      </p:stCondLst>
+                      <p:childTnLst>
+                        <p:par>
+                          <p:cTn id="40" fill="hold">
+                            <p:stCondLst>
+                              <p:cond delay="0"/>
+                            </p:stCondLst>
+                            <p:childTnLst>
+                              <p:par>
+                                <p:cTn id="41" presetID="1" presetClass="entr" presetSubtype="0" fill="hold" grpId="0" nodeType="clickEffect">
+                                  <p:stCondLst>
+                                    <p:cond delay="0"/>
+                                  </p:stCondLst>
+                                  <p:childTnLst>
+                                    <p:set>
+                                      <p:cBhvr>
+                                        <p:cTn id="42" dur="1" fill="hold">
+                                          <p:stCondLst>
+                                            <p:cond delay="0"/>
+                                          </p:stCondLst>
+                                        </p:cTn>
+                                        <p:tgtEl>
+                                          <p:spTgt spid="63"/>
+                                        </p:tgtEl>
+                                        <p:attrNameLst>
+                                          <p:attrName>style.visibility</p:attrName>
+                                        </p:attrNameLst>
+                                      </p:cBhvr>
+                                      <p:to>
+                                        <p:strVal val="visible"/>
+                                      </p:to>
+                                    </p:set>
+                                  </p:childTnLst>
+                                </p:cTn>
+                              </p:par>
+                            </p:childTnLst>
+                          </p:cTn>
+                        </p:par>
+                      </p:childTnLst>
+                    </p:cTn>
+                  </p:par>
+                  <p:par>
+                    <p:cTn id="43" fill="hold">
+                      <p:stCondLst>
+                        <p:cond delay="indefinite"/>
+                      </p:stCondLst>
+                      <p:childTnLst>
+                        <p:par>
+                          <p:cTn id="44" fill="hold">
+                            <p:stCondLst>
+                              <p:cond delay="0"/>
+                            </p:stCondLst>
+                            <p:childTnLst>
+                              <p:par>
+                                <p:cTn id="45" presetID="1" presetClass="entr" presetSubtype="0" fill="hold" nodeType="clickEffect">
+                                  <p:stCondLst>
+                                    <p:cond delay="0"/>
+                                  </p:stCondLst>
+                                  <p:childTnLst>
+                                    <p:set>
+                                      <p:cBhvr>
+                                        <p:cTn id="46" dur="1" fill="hold">
+                                          <p:stCondLst>
+                                            <p:cond delay="0"/>
+                                          </p:stCondLst>
+                                        </p:cTn>
+                                        <p:tgtEl>
+                                          <p:spTgt spid="67"/>
+                                        </p:tgtEl>
+                                        <p:attrNameLst>
+                                          <p:attrName>style.visibility</p:attrName>
+                                        </p:attrNameLst>
+                                      </p:cBhvr>
+                                      <p:to>
+                                        <p:strVal val="visible"/>
+                                      </p:to>
+                                    </p:set>
+                                  </p:childTnLst>
+                                </p:cTn>
+                              </p:par>
+                            </p:childTnLst>
+                          </p:cTn>
+                        </p:par>
+                      </p:childTnLst>
+                    </p:cTn>
+                  </p:par>
+                  <p:par>
+                    <p:cTn id="47" fill="hold">
+                      <p:stCondLst>
+                        <p:cond delay="indefinite"/>
+                      </p:stCondLst>
+                      <p:childTnLst>
+                        <p:par>
+                          <p:cTn id="48" fill="hold">
+                            <p:stCondLst>
+                              <p:cond delay="0"/>
+                            </p:stCondLst>
+                            <p:childTnLst>
+                              <p:par>
+                                <p:cTn id="49" presetID="1" presetClass="entr" presetSubtype="0" fill="hold" grpId="0" nodeType="clickEffect">
+                                  <p:stCondLst>
+                                    <p:cond delay="0"/>
+                                  </p:stCondLst>
+                                  <p:childTnLst>
+                                    <p:set>
+                                      <p:cBhvr>
+                                        <p:cTn id="50" dur="1" fill="hold">
+                                          <p:stCondLst>
+                                            <p:cond delay="0"/>
+                                          </p:stCondLst>
+                                        </p:cTn>
+                                        <p:tgtEl>
+                                          <p:spTgt spid="68"/>
+                                        </p:tgtEl>
+                                        <p:attrNameLst>
+                                          <p:attrName>style.visibility</p:attrName>
+                                        </p:attrNameLst>
+                                      </p:cBhvr>
+                                      <p:to>
+                                        <p:strVal val="visible"/>
+                                      </p:to>
+                                    </p:set>
+                                  </p:childTnLst>
+                                </p:cTn>
+                              </p:par>
+                            </p:childTnLst>
+                          </p:cTn>
+                        </p:par>
+                      </p:childTnLst>
+                    </p:cTn>
+                  </p:par>
+                  <p:par>
+                    <p:cTn id="51" fill="hold">
+                      <p:stCondLst>
+                        <p:cond delay="indefinite"/>
+                      </p:stCondLst>
+                      <p:childTnLst>
+                        <p:par>
+                          <p:cTn id="52" fill="hold">
+                            <p:stCondLst>
+                              <p:cond delay="0"/>
+                            </p:stCondLst>
+                            <p:childTnLst>
+                              <p:par>
+                                <p:cTn id="53" presetID="1" presetClass="entr" presetSubtype="0" fill="hold" grpId="0" nodeType="clickEffect">
+                                  <p:stCondLst>
+                                    <p:cond delay="0"/>
+                                  </p:stCondLst>
+                                  <p:childTnLst>
+                                    <p:set>
+                                      <p:cBhvr>
+                                        <p:cTn id="54" dur="1" fill="hold">
+                                          <p:stCondLst>
+                                            <p:cond delay="0"/>
+                                          </p:stCondLst>
+                                        </p:cTn>
+                                        <p:tgtEl>
+                                          <p:spTgt spid="69"/>
+                                        </p:tgtEl>
+                                        <p:attrNameLst>
+                                          <p:attrName>style.visibility</p:attrName>
+                                        </p:attrNameLst>
+                                      </p:cBhvr>
+                                      <p:to>
+                                        <p:strVal val="visible"/>
+                                      </p:to>
+                                    </p:set>
+                                  </p:childTnLst>
+                                </p:cTn>
+                              </p:par>
+                            </p:childTnLst>
+                          </p:cTn>
+                        </p:par>
+                      </p:childTnLst>
+                    </p:cTn>
+                  </p:par>
+                  <p:par>
+                    <p:cTn id="55" fill="hold">
+                      <p:stCondLst>
+                        <p:cond delay="indefinite"/>
+                      </p:stCondLst>
+                      <p:childTnLst>
+                        <p:par>
+                          <p:cTn id="56" fill="hold">
+                            <p:stCondLst>
+                              <p:cond delay="0"/>
+                            </p:stCondLst>
+                            <p:childTnLst>
+                              <p:par>
+                                <p:cTn id="57" presetID="1" presetClass="entr" presetSubtype="0" fill="hold" grpId="0" nodeType="clickEffect">
+                                  <p:stCondLst>
+                                    <p:cond delay="0"/>
+                                  </p:stCondLst>
+                                  <p:childTnLst>
+                                    <p:set>
+                                      <p:cBhvr>
+                                        <p:cTn id="58" dur="1" fill="hold">
+                                          <p:stCondLst>
+                                            <p:cond delay="0"/>
+                                          </p:stCondLst>
+                                        </p:cTn>
+                                        <p:tgtEl>
+                                          <p:spTgt spid="70"/>
+                                        </p:tgtEl>
+                                        <p:attrNameLst>
+                                          <p:attrName>style.visibility</p:attrName>
+                                        </p:attrNameLst>
+                                      </p:cBhvr>
+                                      <p:to>
+                                        <p:strVal val="visible"/>
+                                      </p:to>
+                                    </p:set>
+                                  </p:childTnLst>
+                                </p:cTn>
+                              </p:par>
+                            </p:childTnLst>
+                          </p:cTn>
+                        </p:par>
+                      </p:childTnLst>
+                    </p:cTn>
+                  </p:par>
+                  <p:par>
+                    <p:cTn id="59" fill="hold">
+                      <p:stCondLst>
+                        <p:cond delay="indefinite"/>
+                      </p:stCondLst>
+                      <p:childTnLst>
+                        <p:par>
+                          <p:cTn id="60" fill="hold">
+                            <p:stCondLst>
+                              <p:cond delay="0"/>
+                            </p:stCondLst>
+                            <p:childTnLst>
+                              <p:par>
+                                <p:cTn id="61" presetID="1" presetClass="entr" presetSubtype="0" fill="hold" nodeType="clickEffect">
+                                  <p:stCondLst>
+                                    <p:cond delay="0"/>
+                                  </p:stCondLst>
+                                  <p:childTnLst>
+                                    <p:set>
+                                      <p:cBhvr>
+                                        <p:cTn id="62" dur="1" fill="hold">
+                                          <p:stCondLst>
+                                            <p:cond delay="0"/>
+                                          </p:stCondLst>
+                                        </p:cTn>
+                                        <p:tgtEl>
+                                          <p:spTgt spid="71"/>
+                                        </p:tgtEl>
+                                        <p:attrNameLst>
+                                          <p:attrName>style.visibility</p:attrName>
+                                        </p:attrNameLst>
+                                      </p:cBhvr>
+                                      <p:to>
+                                        <p:strVal val="visible"/>
+                                      </p:to>
+                                    </p:set>
+                                  </p:childTnLst>
+                                </p:cTn>
+                              </p:par>
+                            </p:childTnLst>
+                          </p:cTn>
+                        </p:par>
+                      </p:childTnLst>
+                    </p:cTn>
+                  </p:par>
+                </p:childTnLst>
+              </p:cTn>
+              <p:prevCondLst>
+                <p:cond evt="onPrev" delay="0">
+                  <p:tgtEl>
+                    <p:sldTgt/>
+                  </p:tgtEl>
+                </p:cond>
+              </p:prevCondLst>
+              <p:nextCondLst>
+                <p:cond evt="onNext" delay="0">
+                  <p:tgtEl>
+                    <p:sldTgt/>
+                  </p:tgtEl>
+                </p:cond>
+              </p:nextCondLst>
+            </p:seq>
+          </p:childTnLst>
+        </p:cTn>
+      </p:par>
+    </p:tnLst>
+    <p:bldLst>
+      <p:bldP spid="7" grpId="0" animBg="1"/>
+      <p:bldP spid="37" grpId="0" animBg="1"/>
+      <p:bldP spid="46" grpId="0" animBg="1"/>
+      <p:bldP spid="47" grpId="0" animBg="1"/>
+      <p:bldP spid="48" grpId="0" animBg="1"/>
+      <p:bldP spid="63" grpId="0" animBg="1"/>
+      <p:bldP spid="68" grpId="0" animBg="1"/>
+      <p:bldP spid="69" grpId="0" animBg="1"/>
+      <p:bldP spid="70" grpId="0" animBg="1"/>
+    </p:bldLst>
+  </p:timing>
+</p:sld>
+</file>
+
+<file path=ppt/slides/slide2.xml><?xml version="1.0" encoding="utf-8"?>
+<p:sld xmlns:a="http://schemas.openxmlformats.org/drawingml/2006/main" xmlns:r="http://schemas.openxmlformats.org/officeDocument/2006/relationships" xmlns:p="http://schemas.openxmlformats.org/presentationml/2006/main">
+  <p:cSld>
+    <p:spTree>
+      <p:nvGrpSpPr>
+        <p:cNvPr id="1" name=""/>
+        <p:cNvGrpSpPr/>
+        <p:nvPr/>
+      </p:nvGrpSpPr>
+      <p:grpSpPr>
+        <a:xfrm>
+          <a:off x="0" y="0"/>
+          <a:ext cx="0" cy="0"/>
+          <a:chOff x="0" y="0"/>
+          <a:chExt cx="0" cy="0"/>
+        </a:xfrm>
+      </p:grpSpPr>
+      <p:sp>
+        <p:nvSpPr>
+          <p:cNvPr id="4" name="Title 3">
+            <a:extLst>
+              <a:ext uri="{FF2B5EF4-FFF2-40B4-BE49-F238E27FC236}">
+                <a16:creationId xmlns:a16="http://schemas.microsoft.com/office/drawing/2014/main" id="{D422D451-2AE5-4906-A1E7-9CAFC7B22AC8}"/>
+              </a:ext>
+            </a:extLst>
+          </p:cNvPr>
+          <p:cNvSpPr>
+            <a:spLocks noGrp="1"/>
+          </p:cNvSpPr>
+          <p:nvPr>
+            <p:ph type="title"/>
+          </p:nvPr>
+        </p:nvSpPr>
+        <p:spPr>
+          <a:xfrm>
+            <a:off x="156692" y="116304"/>
+            <a:ext cx="10302380" cy="558841"/>
+          </a:xfrm>
+        </p:spPr>
+        <p:txBody>
+          <a:bodyPr>
+            <a:normAutofit fontScale="90000"/>
+          </a:bodyPr>
+          <a:lstStyle/>
+          <a:p>
+            <a:r>
+              <a:rPr lang="en-US" dirty="0"/>
+              <a:t>PnP Transformation Framework Architecture</a:t>
+            </a:r>
+          </a:p>
+        </p:txBody>
+      </p:sp>
+      <p:sp>
+        <p:nvSpPr>
           <p:cNvPr id="5" name="Rectangle: Rounded Corners 4">
             <a:extLst>
               <a:ext uri="{FF2B5EF4-FFF2-40B4-BE49-F238E27FC236}">
@@ -5423,7 +7036,7 @@
     </p:spTree>
     <p:extLst>
       <p:ext uri="{BB962C8B-B14F-4D97-AF65-F5344CB8AC3E}">
-        <p14:creationId xmlns:p14="http://schemas.microsoft.com/office/powerpoint/2010/main" val="3370404865"/>
+        <p14:creationId xmlns:p14="http://schemas.microsoft.com/office/powerpoint/2010/main" val="2112516978"/>
       </p:ext>
     </p:extLst>
   </p:cSld>
